--- a/Day 9 & 10/1. Servlets/Slides/5. Intercepting HTTP Request with Filters/5-java-servlets-m5.pptx
+++ b/Day 9 & 10/1. Servlets/Slides/5. Intercepting HTTP Request with Filters/5-java-servlets-m5.pptx
@@ -5,32 +5,32 @@
     <p:sldMasterId id="2147483648" r:id="rId1"/>
   </p:sldMasterIdLst>
   <p:notesMasterIdLst>
-    <p:notesMasterId r:id="rId26"/>
+    <p:notesMasterId r:id="rId25"/>
   </p:notesMasterIdLst>
   <p:sldIdLst>
-    <p:sldId id="256" r:id="rId3"/>
-    <p:sldId id="257" r:id="rId4"/>
-    <p:sldId id="258" r:id="rId5"/>
-    <p:sldId id="259" r:id="rId6"/>
-    <p:sldId id="260" r:id="rId7"/>
-    <p:sldId id="261" r:id="rId8"/>
-    <p:sldId id="262" r:id="rId9"/>
-    <p:sldId id="263" r:id="rId10"/>
-    <p:sldId id="264" r:id="rId11"/>
-    <p:sldId id="265" r:id="rId12"/>
-    <p:sldId id="266" r:id="rId13"/>
-    <p:sldId id="267" r:id="rId14"/>
-    <p:sldId id="268" r:id="rId15"/>
-    <p:sldId id="269" r:id="rId16"/>
-    <p:sldId id="270" r:id="rId17"/>
-    <p:sldId id="271" r:id="rId18"/>
-    <p:sldId id="272" r:id="rId19"/>
-    <p:sldId id="273" r:id="rId20"/>
-    <p:sldId id="274" r:id="rId21"/>
-    <p:sldId id="275" r:id="rId22"/>
-    <p:sldId id="276" r:id="rId23"/>
-    <p:sldId id="277" r:id="rId24"/>
-    <p:sldId id="278" r:id="rId25"/>
+    <p:sldId id="256" r:id="rId2"/>
+    <p:sldId id="257" r:id="rId3"/>
+    <p:sldId id="258" r:id="rId4"/>
+    <p:sldId id="259" r:id="rId5"/>
+    <p:sldId id="260" r:id="rId6"/>
+    <p:sldId id="261" r:id="rId7"/>
+    <p:sldId id="262" r:id="rId8"/>
+    <p:sldId id="263" r:id="rId9"/>
+    <p:sldId id="264" r:id="rId10"/>
+    <p:sldId id="265" r:id="rId11"/>
+    <p:sldId id="266" r:id="rId12"/>
+    <p:sldId id="267" r:id="rId13"/>
+    <p:sldId id="268" r:id="rId14"/>
+    <p:sldId id="269" r:id="rId15"/>
+    <p:sldId id="270" r:id="rId16"/>
+    <p:sldId id="271" r:id="rId17"/>
+    <p:sldId id="272" r:id="rId18"/>
+    <p:sldId id="273" r:id="rId19"/>
+    <p:sldId id="274" r:id="rId20"/>
+    <p:sldId id="275" r:id="rId21"/>
+    <p:sldId id="276" r:id="rId22"/>
+    <p:sldId id="277" r:id="rId23"/>
+    <p:sldId id="278" r:id="rId24"/>
   </p:sldIdLst>
   <p:sldSz cx="12192000" cy="6858000"/>
   <p:notesSz cx="12192000" cy="6858000"/>
@@ -126,6 +126,22 @@
       </a:defRPr>
     </a:lvl9pPr>
   </p:defaultTextStyle>
+  <p:extLst>
+    <p:ext uri="{EFAFB233-063F-42B5-8137-9DF3F51BA10A}">
+      <p15:sldGuideLst xmlns:p15="http://schemas.microsoft.com/office/powerpoint/2012/main">
+        <p15:guide id="1" orient="horz" pos="2880">
+          <p15:clr>
+            <a:srgbClr val="A4A3A4"/>
+          </p15:clr>
+        </p15:guide>
+        <p15:guide id="2" pos="2160">
+          <p15:clr>
+            <a:srgbClr val="A4A3A4"/>
+          </p15:clr>
+        </p15:guide>
+      </p15:sldGuideLst>
+    </p:ext>
+  </p:extLst>
 </p:presentation>
 </file>
 
@@ -211,6 +227,7 @@
           <a:p>
             <a:fld id="{3EFD42F7-718C-4B98-AAEC-167E6DDD60A7}" type="datetimeFigureOut">
               <a:rPr lang="en-US" smtClean="0"/>
+              <a:t>8/17/2023</a:t>
             </a:fld>
             <a:endParaRPr lang="en-US"/>
           </a:p>
@@ -274,42 +291,37 @@
           <a:p>
             <a:pPr lvl="0"/>
             <a:r>
-              <a:rPr lang="en-US" smtClean="0"/>
+              <a:rPr lang="en-US"/>
               <a:t>Click to edit Master text styles</a:t>
             </a:r>
-            <a:endParaRPr lang="en-US" smtClean="0"/>
           </a:p>
           <a:p>
             <a:pPr lvl="1"/>
             <a:r>
-              <a:rPr lang="en-US" smtClean="0"/>
+              <a:rPr lang="en-US"/>
               <a:t>Second level</a:t>
             </a:r>
-            <a:endParaRPr lang="en-US" smtClean="0"/>
           </a:p>
           <a:p>
             <a:pPr lvl="2"/>
             <a:r>
-              <a:rPr lang="en-US" smtClean="0"/>
+              <a:rPr lang="en-US"/>
               <a:t>Third level</a:t>
             </a:r>
-            <a:endParaRPr lang="en-US" smtClean="0"/>
           </a:p>
           <a:p>
             <a:pPr lvl="3"/>
             <a:r>
-              <a:rPr lang="en-US" smtClean="0"/>
+              <a:rPr lang="en-US"/>
               <a:t>Fourth level</a:t>
             </a:r>
-            <a:endParaRPr lang="en-US" smtClean="0"/>
           </a:p>
           <a:p>
             <a:pPr lvl="4"/>
             <a:r>
-              <a:rPr lang="en-US" smtClean="0"/>
+              <a:rPr lang="en-US"/>
               <a:t>Fifth level</a:t>
             </a:r>
-            <a:endParaRPr lang="en-US"/>
           </a:p>
         </p:txBody>
       </p:sp>
@@ -373,6 +385,7 @@
           <a:p>
             <a:fld id="{21B2AA4F-B828-4D7C-AFD3-893933DAFCB4}" type="slidenum">
               <a:rPr lang="en-US" smtClean="0"/>
+              <a:t>‹#›</a:t>
             </a:fld>
             <a:endParaRPr lang="en-US"/>
           </a:p>
@@ -525,7 +538,9 @@
               </a:defRPr>
             </a:lvl1pPr>
           </a:lstStyle>
-          <a:p/>
+          <a:p>
+            <a:endParaRPr/>
+          </a:p>
         </p:txBody>
       </p:sp>
       <p:sp>
@@ -556,7 +571,9 @@
               <a:defRPr/>
             </a:lvl1pPr>
           </a:lstStyle>
-          <a:p/>
+          <a:p>
+            <a:endParaRPr/>
+          </a:p>
         </p:txBody>
       </p:sp>
       <p:sp>
@@ -583,7 +600,9 @@
               </a:defRPr>
             </a:lvl1pPr>
           </a:lstStyle>
-          <a:p/>
+          <a:p>
+            <a:endParaRPr/>
+          </a:p>
         </p:txBody>
       </p:sp>
       <p:sp>
@@ -613,6 +632,7 @@
           <a:p>
             <a:fld id="{1D8BD707-D9CF-40AE-B4C6-C98DA3205C09}" type="datetimeFigureOut">
               <a:rPr lang="en-US"/>
+              <a:t>8/17/2023</a:t>
             </a:fld>
             <a:endParaRPr lang="en-US"/>
           </a:p>
@@ -645,6 +665,7 @@
           <a:p>
             <a:fld id="{B6F15528-21DE-4FAA-801E-634DDDAF4B2B}" type="slidenum">
               <a:rPr/>
+              <a:t>‹#›</a:t>
             </a:fld>
             <a:endParaRPr/>
           </a:p>
@@ -700,7 +721,9 @@
               </a:defRPr>
             </a:lvl1pPr>
           </a:lstStyle>
-          <a:p/>
+          <a:p>
+            <a:endParaRPr/>
+          </a:p>
         </p:txBody>
       </p:sp>
       <p:sp>
@@ -725,7 +748,9 @@
               </a:defRPr>
             </a:lvl1pPr>
           </a:lstStyle>
-          <a:p/>
+          <a:p>
+            <a:endParaRPr/>
+          </a:p>
         </p:txBody>
       </p:sp>
       <p:sp>
@@ -752,7 +777,9 @@
               </a:defRPr>
             </a:lvl1pPr>
           </a:lstStyle>
-          <a:p/>
+          <a:p>
+            <a:endParaRPr/>
+          </a:p>
         </p:txBody>
       </p:sp>
       <p:sp>
@@ -782,6 +809,7 @@
           <a:p>
             <a:fld id="{1D8BD707-D9CF-40AE-B4C6-C98DA3205C09}" type="datetimeFigureOut">
               <a:rPr lang="en-US"/>
+              <a:t>8/17/2023</a:t>
             </a:fld>
             <a:endParaRPr lang="en-US"/>
           </a:p>
@@ -814,6 +842,7 @@
           <a:p>
             <a:fld id="{B6F15528-21DE-4FAA-801E-634DDDAF4B2B}" type="slidenum">
               <a:rPr/>
+              <a:t>‹#›</a:t>
             </a:fld>
             <a:endParaRPr/>
           </a:p>
@@ -869,7 +898,9 @@
               </a:defRPr>
             </a:lvl1pPr>
           </a:lstStyle>
-          <a:p/>
+          <a:p>
+            <a:endParaRPr/>
+          </a:p>
         </p:txBody>
       </p:sp>
       <p:sp>
@@ -900,7 +931,9 @@
               <a:defRPr/>
             </a:lvl1pPr>
           </a:lstStyle>
-          <a:p/>
+          <a:p>
+            <a:endParaRPr/>
+          </a:p>
         </p:txBody>
       </p:sp>
       <p:sp>
@@ -931,7 +964,9 @@
               <a:defRPr/>
             </a:lvl1pPr>
           </a:lstStyle>
-          <a:p/>
+          <a:p>
+            <a:endParaRPr/>
+          </a:p>
         </p:txBody>
       </p:sp>
       <p:sp>
@@ -958,7 +993,9 @@
               </a:defRPr>
             </a:lvl1pPr>
           </a:lstStyle>
-          <a:p/>
+          <a:p>
+            <a:endParaRPr/>
+          </a:p>
         </p:txBody>
       </p:sp>
       <p:sp>
@@ -988,6 +1025,7 @@
           <a:p>
             <a:fld id="{1D8BD707-D9CF-40AE-B4C6-C98DA3205C09}" type="datetimeFigureOut">
               <a:rPr lang="en-US"/>
+              <a:t>8/17/2023</a:t>
             </a:fld>
             <a:endParaRPr lang="en-US"/>
           </a:p>
@@ -1020,6 +1058,7 @@
           <a:p>
             <a:fld id="{B6F15528-21DE-4FAA-801E-634DDDAF4B2B}" type="slidenum">
               <a:rPr/>
+              <a:t>‹#›</a:t>
             </a:fld>
             <a:endParaRPr/>
           </a:p>
@@ -1075,7 +1114,9 @@
               </a:defRPr>
             </a:lvl1pPr>
           </a:lstStyle>
-          <a:p/>
+          <a:p>
+            <a:endParaRPr/>
+          </a:p>
         </p:txBody>
       </p:sp>
       <p:sp>
@@ -1102,7 +1143,9 @@
               </a:defRPr>
             </a:lvl1pPr>
           </a:lstStyle>
-          <a:p/>
+          <a:p>
+            <a:endParaRPr/>
+          </a:p>
         </p:txBody>
       </p:sp>
       <p:sp>
@@ -1132,6 +1175,7 @@
           <a:p>
             <a:fld id="{1D8BD707-D9CF-40AE-B4C6-C98DA3205C09}" type="datetimeFigureOut">
               <a:rPr lang="en-US"/>
+              <a:t>8/17/2023</a:t>
             </a:fld>
             <a:endParaRPr lang="en-US"/>
           </a:p>
@@ -1164,6 +1208,7 @@
           <a:p>
             <a:fld id="{B6F15528-21DE-4FAA-801E-634DDDAF4B2B}" type="slidenum">
               <a:rPr/>
+              <a:t>‹#›</a:t>
             </a:fld>
             <a:endParaRPr/>
           </a:p>
@@ -1219,7 +1264,9 @@
               </a:defRPr>
             </a:lvl1pPr>
           </a:lstStyle>
-          <a:p/>
+          <a:p>
+            <a:endParaRPr/>
+          </a:p>
         </p:txBody>
       </p:sp>
       <p:sp>
@@ -1249,6 +1296,7 @@
           <a:p>
             <a:fld id="{1D8BD707-D9CF-40AE-B4C6-C98DA3205C09}" type="datetimeFigureOut">
               <a:rPr lang="en-US"/>
+              <a:t>8/17/2023</a:t>
             </a:fld>
             <a:endParaRPr lang="en-US"/>
           </a:p>
@@ -1281,6 +1329,7 @@
           <a:p>
             <a:fld id="{B6F15528-21DE-4FAA-801E-634DDDAF4B2B}" type="slidenum">
               <a:rPr/>
+              <a:t>‹#›</a:t>
             </a:fld>
             <a:endParaRPr/>
           </a:p>
@@ -1354,7 +1403,9 @@
               </a:defRPr>
             </a:lvl1pPr>
           </a:lstStyle>
-          <a:p/>
+          <a:p>
+            <a:endParaRPr/>
+          </a:p>
         </p:txBody>
       </p:sp>
       <p:sp>
@@ -1389,7 +1440,9 @@
               </a:defRPr>
             </a:lvl1pPr>
           </a:lstStyle>
-          <a:p/>
+          <a:p>
+            <a:endParaRPr/>
+          </a:p>
         </p:txBody>
       </p:sp>
       <p:sp>
@@ -1426,7 +1479,9 @@
               </a:defRPr>
             </a:lvl1pPr>
           </a:lstStyle>
-          <a:p/>
+          <a:p>
+            <a:endParaRPr/>
+          </a:p>
         </p:txBody>
       </p:sp>
       <p:sp>
@@ -1466,6 +1521,7 @@
           <a:p>
             <a:fld id="{1D8BD707-D9CF-40AE-B4C6-C98DA3205C09}" type="datetimeFigureOut">
               <a:rPr lang="en-US"/>
+              <a:t>8/17/2023</a:t>
             </a:fld>
             <a:endParaRPr lang="en-US"/>
           </a:p>
@@ -1508,6 +1564,7 @@
           <a:p>
             <a:fld id="{B6F15528-21DE-4FAA-801E-634DDDAF4B2B}" type="slidenum">
               <a:rPr/>
+              <a:t>‹#›</a:t>
             </a:fld>
             <a:endParaRPr/>
           </a:p>
@@ -1795,7 +1852,9 @@
         <p:txBody>
           <a:bodyPr wrap="square" lIns="0" tIns="0" rIns="0" bIns="0" rtlCol="0"/>
           <a:lstStyle/>
-          <a:p/>
+          <a:p>
+            <a:endParaRPr/>
+          </a:p>
         </p:txBody>
       </p:sp>
       <p:sp>
@@ -1811,9 +1870,11 @@
         <p:spPr/>
         <p:txBody>
           <a:bodyPr/>
+          <a:lstStyle/>
           <a:p>
             <a:fld id="{B6F15528-21DE-4FAA-801E-634DDDAF4B2B}" type="slidenum">
               <a:rPr/>
+              <a:t>1</a:t>
             </a:fld>
             <a:endParaRPr/>
           </a:p>
@@ -1851,7 +1912,7 @@
           <p:nvPr/>
         </p:nvPicPr>
         <p:blipFill>
-          <a:blip r:embed="rId1" cstate="print"/>
+          <a:blip r:embed="rId2" cstate="print"/>
           <a:stretch>
             <a:fillRect/>
           </a:stretch>
@@ -1879,9 +1940,11 @@
         <p:spPr/>
         <p:txBody>
           <a:bodyPr/>
+          <a:lstStyle/>
           <a:p>
             <a:fld id="{B6F15528-21DE-4FAA-801E-634DDDAF4B2B}" type="slidenum">
               <a:rPr/>
+              <a:t>10</a:t>
             </a:fld>
             <a:endParaRPr/>
           </a:p>
@@ -1919,7 +1982,7 @@
           <p:nvPr/>
         </p:nvPicPr>
         <p:blipFill>
-          <a:blip r:embed="rId1" cstate="print"/>
+          <a:blip r:embed="rId2" cstate="print"/>
           <a:stretch>
             <a:fillRect/>
           </a:stretch>
@@ -1947,9 +2010,11 @@
         <p:spPr/>
         <p:txBody>
           <a:bodyPr/>
+          <a:lstStyle/>
           <a:p>
             <a:fld id="{B6F15528-21DE-4FAA-801E-634DDDAF4B2B}" type="slidenum">
               <a:rPr/>
+              <a:t>11</a:t>
             </a:fld>
             <a:endParaRPr/>
           </a:p>
@@ -1987,7 +2052,7 @@
           <p:nvPr/>
         </p:nvPicPr>
         <p:blipFill>
-          <a:blip r:embed="rId1" cstate="print"/>
+          <a:blip r:embed="rId2" cstate="print"/>
           <a:stretch>
             <a:fillRect/>
           </a:stretch>
@@ -2015,9 +2080,11 @@
         <p:spPr/>
         <p:txBody>
           <a:bodyPr/>
+          <a:lstStyle/>
           <a:p>
             <a:fld id="{B6F15528-21DE-4FAA-801E-634DDDAF4B2B}" type="slidenum">
               <a:rPr/>
+              <a:t>12</a:t>
             </a:fld>
             <a:endParaRPr/>
           </a:p>
@@ -2055,7 +2122,7 @@
           <p:nvPr/>
         </p:nvPicPr>
         <p:blipFill>
-          <a:blip r:embed="rId1" cstate="print"/>
+          <a:blip r:embed="rId2" cstate="print"/>
           <a:stretch>
             <a:fillRect/>
           </a:stretch>
@@ -2083,9 +2150,11 @@
         <p:spPr/>
         <p:txBody>
           <a:bodyPr/>
+          <a:lstStyle/>
           <a:p>
             <a:fld id="{B6F15528-21DE-4FAA-801E-634DDDAF4B2B}" type="slidenum">
               <a:rPr/>
+              <a:t>13</a:t>
             </a:fld>
             <a:endParaRPr/>
           </a:p>
@@ -2123,7 +2192,7 @@
           <p:nvPr/>
         </p:nvPicPr>
         <p:blipFill>
-          <a:blip r:embed="rId1" cstate="print"/>
+          <a:blip r:embed="rId2" cstate="print"/>
           <a:stretch>
             <a:fillRect/>
           </a:stretch>
@@ -2151,9 +2220,11 @@
         <p:spPr/>
         <p:txBody>
           <a:bodyPr/>
+          <a:lstStyle/>
           <a:p>
             <a:fld id="{B6F15528-21DE-4FAA-801E-634DDDAF4B2B}" type="slidenum">
               <a:rPr/>
+              <a:t>14</a:t>
             </a:fld>
             <a:endParaRPr/>
           </a:p>
@@ -2191,7 +2262,7 @@
           <p:nvPr/>
         </p:nvPicPr>
         <p:blipFill>
-          <a:blip r:embed="rId1" cstate="print"/>
+          <a:blip r:embed="rId2" cstate="print"/>
           <a:stretch>
             <a:fillRect/>
           </a:stretch>
@@ -2219,9 +2290,11 @@
         <p:spPr/>
         <p:txBody>
           <a:bodyPr/>
+          <a:lstStyle/>
           <a:p>
             <a:fld id="{B6F15528-21DE-4FAA-801E-634DDDAF4B2B}" type="slidenum">
               <a:rPr/>
+              <a:t>15</a:t>
             </a:fld>
             <a:endParaRPr/>
           </a:p>
@@ -2259,7 +2332,7 @@
           <p:nvPr/>
         </p:nvPicPr>
         <p:blipFill>
-          <a:blip r:embed="rId1" cstate="print"/>
+          <a:blip r:embed="rId2" cstate="print"/>
           <a:stretch>
             <a:fillRect/>
           </a:stretch>
@@ -2287,9 +2360,11 @@
         <p:spPr/>
         <p:txBody>
           <a:bodyPr/>
+          <a:lstStyle/>
           <a:p>
             <a:fld id="{B6F15528-21DE-4FAA-801E-634DDDAF4B2B}" type="slidenum">
               <a:rPr/>
+              <a:t>16</a:t>
             </a:fld>
             <a:endParaRPr/>
           </a:p>
@@ -2327,7 +2402,7 @@
           <p:nvPr/>
         </p:nvPicPr>
         <p:blipFill>
-          <a:blip r:embed="rId1" cstate="print"/>
+          <a:blip r:embed="rId2" cstate="print"/>
           <a:stretch>
             <a:fillRect/>
           </a:stretch>
@@ -2355,9 +2430,11 @@
         <p:spPr/>
         <p:txBody>
           <a:bodyPr/>
+          <a:lstStyle/>
           <a:p>
             <a:fld id="{B6F15528-21DE-4FAA-801E-634DDDAF4B2B}" type="slidenum">
               <a:rPr/>
+              <a:t>17</a:t>
             </a:fld>
             <a:endParaRPr/>
           </a:p>
@@ -2395,7 +2472,7 @@
           <p:nvPr/>
         </p:nvPicPr>
         <p:blipFill>
-          <a:blip r:embed="rId1" cstate="print"/>
+          <a:blip r:embed="rId2" cstate="print"/>
           <a:stretch>
             <a:fillRect/>
           </a:stretch>
@@ -2471,7 +2548,6 @@
               <a:rPr spc="10" dirty="0"/>
               <a:t>Works</a:t>
             </a:r>
-            <a:endParaRPr spc="10" dirty="0"/>
           </a:p>
         </p:txBody>
       </p:sp>
@@ -2944,133 +3020,119 @@
                 <a:latin typeface="Verdana" panose="020B0604030504040204"/>
                 <a:cs typeface="Verdana" panose="020B0604030504040204"/>
               </a:rPr>
-              <a:t>d</a:t>
+              <a:t>do</a:t>
+            </a:r>
+            <a:r>
+              <a:rPr sz="1800" spc="20" dirty="0">
+                <a:latin typeface="Verdana" panose="020B0604030504040204"/>
+                <a:cs typeface="Verdana" panose="020B0604030504040204"/>
+              </a:rPr>
+              <a:t>Fil</a:t>
+            </a:r>
+            <a:r>
+              <a:rPr sz="1800" spc="10" dirty="0">
+                <a:latin typeface="Verdana" panose="020B0604030504040204"/>
+                <a:cs typeface="Verdana" panose="020B0604030504040204"/>
+              </a:rPr>
+              <a:t>t</a:t>
+            </a:r>
+            <a:r>
+              <a:rPr sz="1800" spc="-10" dirty="0">
+                <a:latin typeface="Verdana" panose="020B0604030504040204"/>
+                <a:cs typeface="Verdana" panose="020B0604030504040204"/>
+              </a:rPr>
+              <a:t>e</a:t>
+            </a:r>
+            <a:r>
+              <a:rPr sz="1800" spc="-40" dirty="0">
+                <a:latin typeface="Verdana" panose="020B0604030504040204"/>
+                <a:cs typeface="Verdana" panose="020B0604030504040204"/>
+              </a:rPr>
+              <a:t>r</a:t>
+            </a:r>
+            <a:r>
+              <a:rPr sz="1800" spc="-45" dirty="0">
+                <a:latin typeface="Verdana" panose="020B0604030504040204"/>
+                <a:cs typeface="Verdana" panose="020B0604030504040204"/>
+              </a:rPr>
+              <a:t>(</a:t>
+            </a:r>
+            <a:r>
+              <a:rPr sz="1800" spc="-75" dirty="0">
+                <a:latin typeface="Verdana" panose="020B0604030504040204"/>
+                <a:cs typeface="Verdana" panose="020B0604030504040204"/>
+              </a:rPr>
+              <a:t>r</a:t>
+            </a:r>
+            <a:r>
+              <a:rPr sz="1800" spc="30" dirty="0">
+                <a:latin typeface="Verdana" panose="020B0604030504040204"/>
+                <a:cs typeface="Verdana" panose="020B0604030504040204"/>
+              </a:rPr>
+              <a:t>eq</a:t>
+            </a:r>
+            <a:r>
+              <a:rPr sz="1800" spc="-40" dirty="0">
+                <a:latin typeface="Verdana" panose="020B0604030504040204"/>
+                <a:cs typeface="Verdana" panose="020B0604030504040204"/>
+              </a:rPr>
+              <a:t>u</a:t>
+            </a:r>
+            <a:r>
+              <a:rPr sz="1800" spc="-30" dirty="0">
+                <a:latin typeface="Verdana" panose="020B0604030504040204"/>
+                <a:cs typeface="Verdana" panose="020B0604030504040204"/>
+              </a:rPr>
+              <a:t>e</a:t>
+            </a:r>
+            <a:r>
+              <a:rPr sz="1800" spc="-35" dirty="0">
+                <a:latin typeface="Verdana" panose="020B0604030504040204"/>
+                <a:cs typeface="Verdana" panose="020B0604030504040204"/>
+              </a:rPr>
+              <a:t>s</a:t>
+            </a:r>
+            <a:r>
+              <a:rPr sz="1800" spc="15" dirty="0">
+                <a:latin typeface="Verdana" panose="020B0604030504040204"/>
+                <a:cs typeface="Verdana" panose="020B0604030504040204"/>
+              </a:rPr>
+              <a:t>t</a:t>
+            </a:r>
+            <a:r>
+              <a:rPr sz="1800" spc="-225" dirty="0">
+                <a:latin typeface="Verdana" panose="020B0604030504040204"/>
+                <a:cs typeface="Verdana" panose="020B0604030504040204"/>
+              </a:rPr>
+              <a:t>,</a:t>
+            </a:r>
+            <a:r>
+              <a:rPr sz="1800" spc="-85" dirty="0">
+                <a:latin typeface="Verdana" panose="020B0604030504040204"/>
+                <a:cs typeface="Verdana" panose="020B0604030504040204"/>
+              </a:rPr>
+              <a:t>r</a:t>
+            </a:r>
+            <a:r>
+              <a:rPr sz="1800" spc="-25" dirty="0">
+                <a:latin typeface="Verdana" panose="020B0604030504040204"/>
+                <a:cs typeface="Verdana" panose="020B0604030504040204"/>
+              </a:rPr>
+              <a:t>es</a:t>
             </a:r>
             <a:r>
               <a:rPr sz="1800" spc="70" dirty="0">
                 <a:latin typeface="Verdana" panose="020B0604030504040204"/>
                 <a:cs typeface="Verdana" panose="020B0604030504040204"/>
               </a:rPr>
-              <a:t>o</a:t>
-            </a:r>
-            <a:r>
-              <a:rPr sz="1800" spc="20" dirty="0">
-                <a:latin typeface="Verdana" panose="020B0604030504040204"/>
-                <a:cs typeface="Verdana" panose="020B0604030504040204"/>
-              </a:rPr>
-              <a:t>Fil</a:t>
-            </a:r>
-            <a:r>
-              <a:rPr sz="1800" spc="10" dirty="0">
-                <a:latin typeface="Verdana" panose="020B0604030504040204"/>
-                <a:cs typeface="Verdana" panose="020B0604030504040204"/>
-              </a:rPr>
-              <a:t>t</a:t>
-            </a:r>
-            <a:r>
-              <a:rPr sz="1800" spc="-10" dirty="0">
-                <a:latin typeface="Verdana" panose="020B0604030504040204"/>
-                <a:cs typeface="Verdana" panose="020B0604030504040204"/>
-              </a:rPr>
-              <a:t>e</a:t>
-            </a:r>
-            <a:r>
-              <a:rPr sz="1800" spc="-40" dirty="0">
-                <a:latin typeface="Verdana" panose="020B0604030504040204"/>
-                <a:cs typeface="Verdana" panose="020B0604030504040204"/>
-              </a:rPr>
-              <a:t>r</a:t>
-            </a:r>
-            <a:r>
-              <a:rPr sz="1800" spc="-45" dirty="0">
-                <a:latin typeface="Verdana" panose="020B0604030504040204"/>
-                <a:cs typeface="Verdana" panose="020B0604030504040204"/>
-              </a:rPr>
-              <a:t>(</a:t>
-            </a:r>
-            <a:r>
-              <a:rPr sz="1800" spc="-75" dirty="0">
-                <a:latin typeface="Verdana" panose="020B0604030504040204"/>
-                <a:cs typeface="Verdana" panose="020B0604030504040204"/>
-              </a:rPr>
-              <a:t>r</a:t>
-            </a:r>
-            <a:r>
-              <a:rPr sz="1800" spc="30" dirty="0">
-                <a:latin typeface="Verdana" panose="020B0604030504040204"/>
-                <a:cs typeface="Verdana" panose="020B0604030504040204"/>
-              </a:rPr>
-              <a:t>eq</a:t>
-            </a:r>
-            <a:r>
-              <a:rPr sz="1800" spc="-40" dirty="0">
-                <a:latin typeface="Verdana" panose="020B0604030504040204"/>
-                <a:cs typeface="Verdana" panose="020B0604030504040204"/>
-              </a:rPr>
-              <a:t>u</a:t>
-            </a:r>
-            <a:r>
-              <a:rPr sz="1800" spc="-30" dirty="0">
-                <a:latin typeface="Verdana" panose="020B0604030504040204"/>
-                <a:cs typeface="Verdana" panose="020B0604030504040204"/>
-              </a:rPr>
-              <a:t>e</a:t>
-            </a:r>
-            <a:r>
-              <a:rPr sz="1800" spc="-35" dirty="0">
-                <a:latin typeface="Verdana" panose="020B0604030504040204"/>
-                <a:cs typeface="Verdana" panose="020B0604030504040204"/>
-              </a:rPr>
-              <a:t>s</a:t>
+              <a:t>p</a:t>
             </a:r>
             <a:r>
               <a:rPr sz="1800" spc="15" dirty="0">
                 <a:latin typeface="Verdana" panose="020B0604030504040204"/>
                 <a:cs typeface="Verdana" panose="020B0604030504040204"/>
               </a:rPr>
-              <a:t>t</a:t>
-            </a:r>
-            <a:r>
-              <a:rPr sz="1800" spc="-225" dirty="0">
-                <a:latin typeface="Verdana" panose="020B0604030504040204"/>
-                <a:cs typeface="Verdana" panose="020B0604030504040204"/>
-              </a:rPr>
-              <a:t>,</a:t>
-            </a:r>
-            <a:r>
-              <a:rPr sz="1800" spc="-85" dirty="0">
-                <a:latin typeface="Verdana" panose="020B0604030504040204"/>
-                <a:cs typeface="Verdana" panose="020B0604030504040204"/>
-              </a:rPr>
-              <a:t>r</a:t>
-            </a:r>
-            <a:r>
-              <a:rPr sz="1800" spc="-25" dirty="0">
-                <a:latin typeface="Verdana" panose="020B0604030504040204"/>
-                <a:cs typeface="Verdana" panose="020B0604030504040204"/>
-              </a:rPr>
-              <a:t>es</a:t>
-            </a:r>
-            <a:r>
-              <a:rPr sz="1800" spc="70" dirty="0">
-                <a:latin typeface="Verdana" panose="020B0604030504040204"/>
-                <a:cs typeface="Verdana" panose="020B0604030504040204"/>
-              </a:rPr>
-              <a:t>p</a:t>
-            </a:r>
-            <a:r>
-              <a:rPr sz="1800" spc="15" dirty="0">
-                <a:latin typeface="Verdana" panose="020B0604030504040204"/>
-                <a:cs typeface="Verdana" panose="020B0604030504040204"/>
-              </a:rPr>
-              <a:t>o</a:t>
-            </a:r>
-            <a:r>
-              <a:rPr sz="1800" spc="15" dirty="0">
-                <a:latin typeface="Verdana" panose="020B0604030504040204"/>
-                <a:cs typeface="Verdana" panose="020B0604030504040204"/>
-              </a:rPr>
-              <a:t>n</a:t>
+              <a:t>on</a:t>
             </a:r>
             <a:r>
               <a:rPr sz="1800" spc="-45" dirty="0">
@@ -3264,9 +3326,11 @@
         <p:spPr/>
         <p:txBody>
           <a:bodyPr/>
+          <a:lstStyle/>
           <a:p>
             <a:fld id="{B6F15528-21DE-4FAA-801E-634DDDAF4B2B}" type="slidenum">
               <a:rPr/>
+              <a:t>18</a:t>
             </a:fld>
             <a:endParaRPr/>
           </a:p>
@@ -3304,7 +3368,7 @@
           <p:nvPr/>
         </p:nvPicPr>
         <p:blipFill>
-          <a:blip r:embed="rId1" cstate="print"/>
+          <a:blip r:embed="rId2" cstate="print"/>
           <a:stretch>
             <a:fillRect/>
           </a:stretch>
@@ -3436,7 +3500,6 @@
               <a:rPr spc="25" dirty="0"/>
               <a:t>ds</a:t>
             </a:r>
-            <a:endParaRPr spc="25" dirty="0"/>
           </a:p>
         </p:txBody>
       </p:sp>
@@ -3453,9 +3516,11 @@
         <p:spPr/>
         <p:txBody>
           <a:bodyPr/>
+          <a:lstStyle/>
           <a:p>
             <a:fld id="{B6F15528-21DE-4FAA-801E-634DDDAF4B2B}" type="slidenum">
               <a:rPr/>
+              <a:t>19</a:t>
             </a:fld>
             <a:endParaRPr/>
           </a:p>
@@ -3493,7 +3558,7 @@
           <p:nvPr/>
         </p:nvPicPr>
         <p:blipFill>
-          <a:blip r:embed="rId1" cstate="print"/>
+          <a:blip r:embed="rId2" cstate="print"/>
           <a:stretch>
             <a:fillRect/>
           </a:stretch>
@@ -3561,7 +3626,6 @@
               <a:rPr spc="-20" dirty="0"/>
               <a:t>Filters?</a:t>
             </a:r>
-            <a:endParaRPr spc="-20" dirty="0"/>
           </a:p>
         </p:txBody>
       </p:sp>
@@ -3578,9 +3642,11 @@
         <p:spPr/>
         <p:txBody>
           <a:bodyPr/>
+          <a:lstStyle/>
           <a:p>
             <a:fld id="{B6F15528-21DE-4FAA-801E-634DDDAF4B2B}" type="slidenum">
               <a:rPr/>
+              <a:t>2</a:t>
             </a:fld>
             <a:endParaRPr/>
           </a:p>
@@ -3646,7 +3712,7 @@
             </a:pPr>
             <a:r>
               <a:rPr lang="en-US" spc="35" dirty="0"/>
-              <a:t>Assisted Practice</a:t>
+              <a:t>Demo</a:t>
             </a:r>
             <a:r>
               <a:rPr spc="-640" dirty="0"/>
@@ -3728,7 +3794,6 @@
               <a:rPr spc="25" dirty="0"/>
               <a:t>ds</a:t>
             </a:r>
-            <a:endParaRPr spc="25" dirty="0"/>
           </a:p>
         </p:txBody>
       </p:sp>
@@ -3739,7 +3804,7 @@
           <p:nvPr/>
         </p:nvPicPr>
         <p:blipFill>
-          <a:blip r:embed="rId1" cstate="print"/>
+          <a:blip r:embed="rId2" cstate="print"/>
           <a:stretch>
             <a:fillRect/>
           </a:stretch>
@@ -3767,9 +3832,11 @@
         <p:spPr/>
         <p:txBody>
           <a:bodyPr/>
+          <a:lstStyle/>
           <a:p>
             <a:fld id="{B6F15528-21DE-4FAA-801E-634DDDAF4B2B}" type="slidenum">
               <a:rPr/>
+              <a:t>20</a:t>
             </a:fld>
             <a:endParaRPr/>
           </a:p>
@@ -3902,7 +3969,9 @@
         <p:txBody>
           <a:bodyPr wrap="square" lIns="0" tIns="0" rIns="0" bIns="0" rtlCol="0"/>
           <a:lstStyle/>
-          <a:p/>
+          <a:p>
+            <a:endParaRPr/>
+          </a:p>
         </p:txBody>
       </p:sp>
       <p:sp>
@@ -3918,9 +3987,11 @@
         <p:spPr/>
         <p:txBody>
           <a:bodyPr/>
+          <a:lstStyle/>
           <a:p>
             <a:fld id="{B6F15528-21DE-4FAA-801E-634DDDAF4B2B}" type="slidenum">
               <a:rPr/>
+              <a:t>21</a:t>
             </a:fld>
             <a:endParaRPr/>
           </a:p>
@@ -3958,7 +4029,7 @@
           <p:nvPr/>
         </p:nvPicPr>
         <p:blipFill>
-          <a:blip r:embed="rId1" cstate="print"/>
+          <a:blip r:embed="rId2" cstate="print"/>
           <a:stretch>
             <a:fillRect/>
           </a:stretch>
@@ -3986,9 +4057,11 @@
         <p:spPr/>
         <p:txBody>
           <a:bodyPr/>
+          <a:lstStyle/>
           <a:p>
             <a:fld id="{B6F15528-21DE-4FAA-801E-634DDDAF4B2B}" type="slidenum">
               <a:rPr/>
+              <a:t>22</a:t>
             </a:fld>
             <a:endParaRPr/>
           </a:p>
@@ -4026,7 +4099,7 @@
           <p:nvPr/>
         </p:nvPicPr>
         <p:blipFill>
-          <a:blip r:embed="rId1" cstate="print"/>
+          <a:blip r:embed="rId2" cstate="print"/>
           <a:stretch>
             <a:fillRect/>
           </a:stretch>
@@ -4315,9 +4388,11 @@
         <p:spPr/>
         <p:txBody>
           <a:bodyPr/>
+          <a:lstStyle/>
           <a:p>
             <a:fld id="{B6F15528-21DE-4FAA-801E-634DDDAF4B2B}" type="slidenum">
               <a:rPr/>
+              <a:t>23</a:t>
             </a:fld>
             <a:endParaRPr/>
           </a:p>
@@ -4355,7 +4430,7 @@
           <p:nvPr/>
         </p:nvPicPr>
         <p:blipFill>
-          <a:blip r:embed="rId1" cstate="print"/>
+          <a:blip r:embed="rId2" cstate="print"/>
           <a:stretch>
             <a:fillRect/>
           </a:stretch>
@@ -4415,7 +4490,6 @@
               <a:rPr dirty="0"/>
               <a:t>Filters</a:t>
             </a:r>
-            <a:endParaRPr dirty="0"/>
           </a:p>
         </p:txBody>
       </p:sp>
@@ -4432,9 +4506,11 @@
         <p:spPr/>
         <p:txBody>
           <a:bodyPr/>
+          <a:lstStyle/>
           <a:p>
             <a:fld id="{B6F15528-21DE-4FAA-801E-634DDDAF4B2B}" type="slidenum">
               <a:rPr/>
+              <a:t>3</a:t>
             </a:fld>
             <a:endParaRPr/>
           </a:p>
@@ -4472,7 +4548,7 @@
           <p:nvPr/>
         </p:nvPicPr>
         <p:blipFill>
-          <a:blip r:embed="rId1" cstate="print"/>
+          <a:blip r:embed="rId2" cstate="print"/>
           <a:stretch>
             <a:fillRect/>
           </a:stretch>
@@ -4524,7 +4600,9 @@
         <p:txBody>
           <a:bodyPr wrap="square" lIns="0" tIns="0" rIns="0" bIns="0" rtlCol="0"/>
           <a:lstStyle/>
-          <a:p/>
+          <a:p>
+            <a:endParaRPr/>
+          </a:p>
         </p:txBody>
       </p:sp>
       <p:sp>
@@ -4785,35 +4863,21 @@
                 <a:latin typeface="Verdana" panose="020B0604030504040204"/>
                 <a:cs typeface="Verdana" panose="020B0604030504040204"/>
               </a:rPr>
+              <a:t>if</a:t>
+            </a:r>
+            <a:r>
+              <a:rPr sz="2400" spc="-30" dirty="0">
+                <a:latin typeface="Verdana" panose="020B0604030504040204"/>
+                <a:cs typeface="Verdana" panose="020B0604030504040204"/>
+              </a:rPr>
               <a:t>i</a:t>
             </a:r>
             <a:r>
-              <a:rPr sz="2400" spc="30" dirty="0">
-                <a:latin typeface="Verdana" panose="020B0604030504040204"/>
-                <a:cs typeface="Verdana" panose="020B0604030504040204"/>
-              </a:rPr>
-              <a:t>f</a:t>
-            </a:r>
-            <a:r>
-              <a:rPr sz="2400" spc="-30" dirty="0">
-                <a:latin typeface="Verdana" panose="020B0604030504040204"/>
-                <a:cs typeface="Verdana" panose="020B0604030504040204"/>
-              </a:rPr>
-              <a:t>i</a:t>
-            </a:r>
-            <a:r>
               <a:rPr sz="2400" spc="25" dirty="0">
                 <a:latin typeface="Verdana" panose="020B0604030504040204"/>
                 <a:cs typeface="Verdana" panose="020B0604030504040204"/>
               </a:rPr>
-              <a:t>c</a:t>
-            </a:r>
-            <a:r>
-              <a:rPr sz="2400" spc="25" dirty="0">
-                <a:latin typeface="Verdana" panose="020B0604030504040204"/>
-                <a:cs typeface="Verdana" panose="020B0604030504040204"/>
-              </a:rPr>
-              <a:t>a</a:t>
+              <a:t>ca</a:t>
             </a:r>
             <a:r>
               <a:rPr sz="2400" spc="20" dirty="0">
@@ -5151,9 +5215,11 @@
         <p:spPr/>
         <p:txBody>
           <a:bodyPr/>
+          <a:lstStyle/>
           <a:p>
             <a:fld id="{B6F15528-21DE-4FAA-801E-634DDDAF4B2B}" type="slidenum">
               <a:rPr/>
+              <a:t>4</a:t>
             </a:fld>
             <a:endParaRPr/>
           </a:p>
@@ -5297,7 +5363,7 @@
           <p:nvPr/>
         </p:nvPicPr>
         <p:blipFill>
-          <a:blip r:embed="rId1" cstate="print"/>
+          <a:blip r:embed="rId2" cstate="print"/>
           <a:stretch>
             <a:fillRect/>
           </a:stretch>
@@ -5606,9 +5672,11 @@
         <p:spPr/>
         <p:txBody>
           <a:bodyPr/>
+          <a:lstStyle/>
           <a:p>
             <a:fld id="{B6F15528-21DE-4FAA-801E-634DDDAF4B2B}" type="slidenum">
               <a:rPr/>
+              <a:t>5</a:t>
             </a:fld>
             <a:endParaRPr/>
           </a:p>
@@ -5684,7 +5752,6 @@
               <a:rPr spc="10" dirty="0"/>
               <a:t>Filter</a:t>
             </a:r>
-            <a:endParaRPr spc="10" dirty="0"/>
           </a:p>
         </p:txBody>
       </p:sp>
@@ -5695,7 +5762,7 @@
           <p:nvPr/>
         </p:nvPicPr>
         <p:blipFill>
-          <a:blip r:embed="rId1" cstate="print"/>
+          <a:blip r:embed="rId2" cstate="print"/>
           <a:stretch>
             <a:fillRect/>
           </a:stretch>
@@ -5723,9 +5790,11 @@
         <p:spPr/>
         <p:txBody>
           <a:bodyPr/>
+          <a:lstStyle/>
           <a:p>
             <a:fld id="{B6F15528-21DE-4FAA-801E-634DDDAF4B2B}" type="slidenum">
               <a:rPr/>
+              <a:t>6</a:t>
             </a:fld>
             <a:endParaRPr/>
           </a:p>
@@ -5833,7 +5902,6 @@
               <a:rPr spc="5" dirty="0"/>
               <a:t>Filter?</a:t>
             </a:r>
-            <a:endParaRPr spc="5" dirty="0"/>
           </a:p>
         </p:txBody>
       </p:sp>
@@ -6427,9 +6495,11 @@
         <p:spPr/>
         <p:txBody>
           <a:bodyPr/>
+          <a:lstStyle/>
           <a:p>
             <a:fld id="{B6F15528-21DE-4FAA-801E-634DDDAF4B2B}" type="slidenum">
               <a:rPr/>
+              <a:t>7</a:t>
             </a:fld>
             <a:endParaRPr/>
           </a:p>
@@ -6521,7 +6591,6 @@
               <a:rPr dirty="0"/>
               <a:t>Filters</a:t>
             </a:r>
-            <a:endParaRPr dirty="0"/>
           </a:p>
         </p:txBody>
       </p:sp>
@@ -7353,9 +7422,11 @@
         <p:spPr/>
         <p:txBody>
           <a:bodyPr/>
+          <a:lstStyle/>
           <a:p>
             <a:fld id="{B6F15528-21DE-4FAA-801E-634DDDAF4B2B}" type="slidenum">
               <a:rPr/>
+              <a:t>8</a:t>
             </a:fld>
             <a:endParaRPr/>
           </a:p>
@@ -7393,7 +7464,7 @@
           <p:nvPr/>
         </p:nvPicPr>
         <p:blipFill>
-          <a:blip r:embed="rId1" cstate="print"/>
+          <a:blip r:embed="rId2" cstate="print"/>
           <a:stretch>
             <a:fillRect/>
           </a:stretch>
@@ -7469,7 +7540,6 @@
               <a:rPr spc="20" dirty="0"/>
               <a:t>Cycle</a:t>
             </a:r>
-            <a:endParaRPr spc="20" dirty="0"/>
           </a:p>
         </p:txBody>
       </p:sp>
@@ -7486,9 +7556,11 @@
         <p:spPr/>
         <p:txBody>
           <a:bodyPr/>
+          <a:lstStyle/>
           <a:p>
             <a:fld id="{B6F15528-21DE-4FAA-801E-634DDDAF4B2B}" type="slidenum">
               <a:rPr/>
+              <a:t>9</a:t>
             </a:fld>
             <a:endParaRPr/>
           </a:p>
@@ -7780,6 +7852,8 @@
       </a:bgFillStyleLst>
     </a:fmtScheme>
   </a:themeElements>
+  <a:objectDefaults/>
+  <a:extraClrSchemeLst/>
   <a:extLst>
     <a:ext uri="{05A4C25C-085E-4340-85A3-A5531E510DB2}">
       <thm15:themeFamily xmlns:thm15="http://schemas.microsoft.com/office/thememl/2012/main" name="Office Theme" id="{62F939B6-93AF-4DB8-9C6B-D6C7DFDC589F}" vid="{4A3C46E8-61CC-4603-A589-7422A47A8E4A}"/>
@@ -8039,6 +8113,8 @@
       </a:bgFillStyleLst>
     </a:fmtScheme>
   </a:themeElements>
+  <a:objectDefaults/>
+  <a:extraClrSchemeLst/>
   <a:extLst>
     <a:ext uri="{05A4C25C-085E-4340-85A3-A5531E510DB2}">
       <thm15:themeFamily xmlns:thm15="http://schemas.microsoft.com/office/thememl/2012/main" name="Office Theme" id="{62F939B6-93AF-4DB8-9C6B-D6C7DFDC589F}" vid="{4A3C46E8-61CC-4603-A589-7422A47A8E4A}"/>
